--- a/results/final_results.pptx
+++ b/results/final_results.pptx
@@ -5,13 +5,14 @@
     <p:sldMasterId id="2147483648" r:id="rId1"/>
   </p:sldMasterIdLst>
   <p:notesMasterIdLst>
-    <p:notesMasterId r:id="rId6"/>
+    <p:notesMasterId r:id="rId7"/>
   </p:notesMasterIdLst>
   <p:sldIdLst>
     <p:sldId id="256" r:id="rId2"/>
-    <p:sldId id="258" r:id="rId3"/>
-    <p:sldId id="259" r:id="rId4"/>
-    <p:sldId id="257" r:id="rId5"/>
+    <p:sldId id="259" r:id="rId3"/>
+    <p:sldId id="261" r:id="rId4"/>
+    <p:sldId id="262" r:id="rId5"/>
+    <p:sldId id="260" r:id="rId6"/>
   </p:sldIdLst>
   <p:sldSz cx="12192000" cy="6858000"/>
   <p:notesSz cx="6858000" cy="9144000"/>
@@ -559,7 +560,7 @@
         <p:cNvPr id="1" name="">
           <a:extLst>
             <a:ext uri="{FF2B5EF4-FFF2-40B4-BE49-F238E27FC236}">
-              <a16:creationId xmlns:a16="http://schemas.microsoft.com/office/drawing/2014/main" id="{7A1D6686-9083-4A09-03A9-E8EB6EC4134B}"/>
+              <a16:creationId xmlns:a16="http://schemas.microsoft.com/office/drawing/2014/main" id="{C7786B64-B89E-825C-3485-28FEB99A8100}"/>
             </a:ext>
           </a:extLst>
         </p:cNvPr>
@@ -579,7 +580,7 @@
           <p:cNvPr id="2" name="Slide Image Placeholder 1">
             <a:extLst>
               <a:ext uri="{FF2B5EF4-FFF2-40B4-BE49-F238E27FC236}">
-                <a16:creationId xmlns:a16="http://schemas.microsoft.com/office/drawing/2014/main" id="{13834D64-57EA-518D-EF48-319CDCC10172}"/>
+                <a16:creationId xmlns:a16="http://schemas.microsoft.com/office/drawing/2014/main" id="{67D77294-1D35-1BFD-5B53-B0922EBCA212}"/>
               </a:ext>
             </a:extLst>
           </p:cNvPr>
@@ -597,7 +598,7 @@
           <p:cNvPr id="3" name="Notes Placeholder 2">
             <a:extLst>
               <a:ext uri="{FF2B5EF4-FFF2-40B4-BE49-F238E27FC236}">
-                <a16:creationId xmlns:a16="http://schemas.microsoft.com/office/drawing/2014/main" id="{7452ACC2-9CC1-C37D-1A4D-710FBAC4096E}"/>
+                <a16:creationId xmlns:a16="http://schemas.microsoft.com/office/drawing/2014/main" id="{C12E3E3B-F84D-34B0-EFF7-698474F1EE50}"/>
               </a:ext>
             </a:extLst>
           </p:cNvPr>
@@ -622,7 +623,7 @@
           <p:cNvPr id="4" name="Slide Number Placeholder 3">
             <a:extLst>
               <a:ext uri="{FF2B5EF4-FFF2-40B4-BE49-F238E27FC236}">
-                <a16:creationId xmlns:a16="http://schemas.microsoft.com/office/drawing/2014/main" id="{67316EB0-AE4E-C588-797F-514098D6E9F2}"/>
+                <a16:creationId xmlns:a16="http://schemas.microsoft.com/office/drawing/2014/main" id="{2103215B-E57E-1D3E-C257-49B756F372D6}"/>
               </a:ext>
             </a:extLst>
           </p:cNvPr>
@@ -649,7 +650,7 @@
     </p:spTree>
     <p:extLst>
       <p:ext uri="{BB962C8B-B14F-4D97-AF65-F5344CB8AC3E}">
-        <p14:creationId xmlns:p14="http://schemas.microsoft.com/office/powerpoint/2010/main" val="2612784686"/>
+        <p14:creationId xmlns:p14="http://schemas.microsoft.com/office/powerpoint/2010/main" val="377157295"/>
       </p:ext>
     </p:extLst>
   </p:cSld>
@@ -667,7 +668,7 @@
         <p:cNvPr id="1" name="">
           <a:extLst>
             <a:ext uri="{FF2B5EF4-FFF2-40B4-BE49-F238E27FC236}">
-              <a16:creationId xmlns:a16="http://schemas.microsoft.com/office/drawing/2014/main" id="{C7786B64-B89E-825C-3485-28FEB99A8100}"/>
+              <a16:creationId xmlns:a16="http://schemas.microsoft.com/office/drawing/2014/main" id="{EE3577D8-D607-90BB-4B7F-4341BC40F2D4}"/>
             </a:ext>
           </a:extLst>
         </p:cNvPr>
@@ -687,7 +688,7 @@
           <p:cNvPr id="2" name="Slide Image Placeholder 1">
             <a:extLst>
               <a:ext uri="{FF2B5EF4-FFF2-40B4-BE49-F238E27FC236}">
-                <a16:creationId xmlns:a16="http://schemas.microsoft.com/office/drawing/2014/main" id="{67D77294-1D35-1BFD-5B53-B0922EBCA212}"/>
+                <a16:creationId xmlns:a16="http://schemas.microsoft.com/office/drawing/2014/main" id="{C2415C5E-1298-C113-018B-E011C0903E47}"/>
               </a:ext>
             </a:extLst>
           </p:cNvPr>
@@ -705,7 +706,7 @@
           <p:cNvPr id="3" name="Notes Placeholder 2">
             <a:extLst>
               <a:ext uri="{FF2B5EF4-FFF2-40B4-BE49-F238E27FC236}">
-                <a16:creationId xmlns:a16="http://schemas.microsoft.com/office/drawing/2014/main" id="{C12E3E3B-F84D-34B0-EFF7-698474F1EE50}"/>
+                <a16:creationId xmlns:a16="http://schemas.microsoft.com/office/drawing/2014/main" id="{F972EBF9-0F5F-EA07-A691-452A53FB7D90}"/>
               </a:ext>
             </a:extLst>
           </p:cNvPr>
@@ -730,7 +731,7 @@
           <p:cNvPr id="4" name="Slide Number Placeholder 3">
             <a:extLst>
               <a:ext uri="{FF2B5EF4-FFF2-40B4-BE49-F238E27FC236}">
-                <a16:creationId xmlns:a16="http://schemas.microsoft.com/office/drawing/2014/main" id="{2103215B-E57E-1D3E-C257-49B756F372D6}"/>
+                <a16:creationId xmlns:a16="http://schemas.microsoft.com/office/drawing/2014/main" id="{CA91C1E0-C48B-A961-2EDE-8AAA692294F9}"/>
               </a:ext>
             </a:extLst>
           </p:cNvPr>
@@ -757,7 +758,115 @@
     </p:spTree>
     <p:extLst>
       <p:ext uri="{BB962C8B-B14F-4D97-AF65-F5344CB8AC3E}">
-        <p14:creationId xmlns:p14="http://schemas.microsoft.com/office/powerpoint/2010/main" val="377157295"/>
+        <p14:creationId xmlns:p14="http://schemas.microsoft.com/office/powerpoint/2010/main" val="4239724731"/>
+      </p:ext>
+    </p:extLst>
+  </p:cSld>
+  <p:clrMapOvr>
+    <a:masterClrMapping/>
+  </p:clrMapOvr>
+</p:notes>
+</file>
+
+<file path=ppt/notesSlides/notesSlide4.xml><?xml version="1.0" encoding="utf-8"?>
+<p:notes xmlns:a="http://schemas.openxmlformats.org/drawingml/2006/main" xmlns:r="http://schemas.openxmlformats.org/officeDocument/2006/relationships" xmlns:p="http://schemas.openxmlformats.org/presentationml/2006/main">
+  <p:cSld>
+    <p:spTree>
+      <p:nvGrpSpPr>
+        <p:cNvPr id="1" name="">
+          <a:extLst>
+            <a:ext uri="{FF2B5EF4-FFF2-40B4-BE49-F238E27FC236}">
+              <a16:creationId xmlns:a16="http://schemas.microsoft.com/office/drawing/2014/main" id="{28D1F247-7016-8D51-6079-83C900CE36C5}"/>
+            </a:ext>
+          </a:extLst>
+        </p:cNvPr>
+        <p:cNvGrpSpPr/>
+        <p:nvPr/>
+      </p:nvGrpSpPr>
+      <p:grpSpPr>
+        <a:xfrm>
+          <a:off x="0" y="0"/>
+          <a:ext cx="0" cy="0"/>
+          <a:chOff x="0" y="0"/>
+          <a:chExt cx="0" cy="0"/>
+        </a:xfrm>
+      </p:grpSpPr>
+      <p:sp>
+        <p:nvSpPr>
+          <p:cNvPr id="2" name="Slide Image Placeholder 1">
+            <a:extLst>
+              <a:ext uri="{FF2B5EF4-FFF2-40B4-BE49-F238E27FC236}">
+                <a16:creationId xmlns:a16="http://schemas.microsoft.com/office/drawing/2014/main" id="{DDF035AC-F237-B1B6-F84D-7C8E96419119}"/>
+              </a:ext>
+            </a:extLst>
+          </p:cNvPr>
+          <p:cNvSpPr>
+            <a:spLocks noGrp="1" noRot="1" noChangeAspect="1"/>
+          </p:cNvSpPr>
+          <p:nvPr>
+            <p:ph type="sldImg"/>
+          </p:nvPr>
+        </p:nvSpPr>
+        <p:spPr/>
+      </p:sp>
+      <p:sp>
+        <p:nvSpPr>
+          <p:cNvPr id="3" name="Notes Placeholder 2">
+            <a:extLst>
+              <a:ext uri="{FF2B5EF4-FFF2-40B4-BE49-F238E27FC236}">
+                <a16:creationId xmlns:a16="http://schemas.microsoft.com/office/drawing/2014/main" id="{95C1D453-A636-2E8F-BE3D-E02A3180C7AD}"/>
+              </a:ext>
+            </a:extLst>
+          </p:cNvPr>
+          <p:cNvSpPr>
+            <a:spLocks noGrp="1"/>
+          </p:cNvSpPr>
+          <p:nvPr>
+            <p:ph type="body" idx="1"/>
+          </p:nvPr>
+        </p:nvSpPr>
+        <p:spPr/>
+        <p:txBody>
+          <a:bodyPr/>
+          <a:lstStyle/>
+          <a:p>
+            <a:endParaRPr lang="en-US" dirty="0"/>
+          </a:p>
+        </p:txBody>
+      </p:sp>
+      <p:sp>
+        <p:nvSpPr>
+          <p:cNvPr id="4" name="Slide Number Placeholder 3">
+            <a:extLst>
+              <a:ext uri="{FF2B5EF4-FFF2-40B4-BE49-F238E27FC236}">
+                <a16:creationId xmlns:a16="http://schemas.microsoft.com/office/drawing/2014/main" id="{1CF701F4-5C79-94B3-C94D-3A883BA0F91E}"/>
+              </a:ext>
+            </a:extLst>
+          </p:cNvPr>
+          <p:cNvSpPr>
+            <a:spLocks noGrp="1"/>
+          </p:cNvSpPr>
+          <p:nvPr>
+            <p:ph type="sldNum" sz="quarter" idx="5"/>
+          </p:nvPr>
+        </p:nvSpPr>
+        <p:spPr/>
+        <p:txBody>
+          <a:bodyPr/>
+          <a:lstStyle/>
+          <a:p>
+            <a:fld id="{2C5CEE9B-914C-445D-A745-D18BB7BAC32D}" type="slidenum">
+              <a:rPr lang="en-US" smtClean="0"/>
+              <a:t>4</a:t>
+            </a:fld>
+            <a:endParaRPr lang="en-US"/>
+          </a:p>
+        </p:txBody>
+      </p:sp>
+    </p:spTree>
+    <p:extLst>
+      <p:ext uri="{BB962C8B-B14F-4D97-AF65-F5344CB8AC3E}">
+        <p14:creationId xmlns:p14="http://schemas.microsoft.com/office/powerpoint/2010/main" val="610536147"/>
       </p:ext>
     </p:extLst>
   </p:cSld>
@@ -4578,619 +4687,6 @@
         <p:cNvPr id="1" name="">
           <a:extLst>
             <a:ext uri="{FF2B5EF4-FFF2-40B4-BE49-F238E27FC236}">
-              <a16:creationId xmlns:a16="http://schemas.microsoft.com/office/drawing/2014/main" id="{B2D781F2-87A5-8144-F238-93A93F1DEBBA}"/>
-            </a:ext>
-          </a:extLst>
-        </p:cNvPr>
-        <p:cNvGrpSpPr/>
-        <p:nvPr/>
-      </p:nvGrpSpPr>
-      <p:grpSpPr>
-        <a:xfrm>
-          <a:off x="0" y="0"/>
-          <a:ext cx="0" cy="0"/>
-          <a:chOff x="0" y="0"/>
-          <a:chExt cx="0" cy="0"/>
-        </a:xfrm>
-      </p:grpSpPr>
-      <p:sp>
-        <p:nvSpPr>
-          <p:cNvPr id="10" name="Rectangle 9">
-            <a:extLst>
-              <a:ext uri="{FF2B5EF4-FFF2-40B4-BE49-F238E27FC236}">
-                <a16:creationId xmlns:a16="http://schemas.microsoft.com/office/drawing/2014/main" id="{F26FE92F-20B0-CF82-EEC4-02C0E70D3EA0}"/>
-              </a:ext>
-            </a:extLst>
-          </p:cNvPr>
-          <p:cNvSpPr/>
-          <p:nvPr/>
-        </p:nvSpPr>
-        <p:spPr>
-          <a:xfrm>
-            <a:off x="2154083" y="1219773"/>
-            <a:ext cx="1246909" cy="381911"/>
-          </a:xfrm>
-          <a:prstGeom prst="rect">
-            <a:avLst/>
-          </a:prstGeom>
-          <a:solidFill>
-            <a:srgbClr val="BFBFBF">
-              <a:alpha val="54902"/>
-            </a:srgbClr>
-          </a:solidFill>
-          <a:ln>
-            <a:noFill/>
-          </a:ln>
-        </p:spPr>
-        <p:style>
-          <a:lnRef idx="2">
-            <a:schemeClr val="accent1">
-              <a:shade val="15000"/>
-            </a:schemeClr>
-          </a:lnRef>
-          <a:fillRef idx="1">
-            <a:schemeClr val="accent1"/>
-          </a:fillRef>
-          <a:effectRef idx="0">
-            <a:schemeClr val="accent1"/>
-          </a:effectRef>
-          <a:fontRef idx="minor">
-            <a:schemeClr val="lt1"/>
-          </a:fontRef>
-        </p:style>
-        <p:txBody>
-          <a:bodyPr rtlCol="0" anchor="ctr"/>
-          <a:lstStyle/>
-          <a:p>
-            <a:pPr algn="ctr"/>
-            <a:r>
-              <a:rPr lang="en-US" sz="1500" dirty="0">
-                <a:solidFill>
-                  <a:schemeClr val="tx1"/>
-                </a:solidFill>
-                <a:latin typeface="Arial" panose="020B0604020202020204" pitchFamily="34" charset="0"/>
-                <a:cs typeface="Arial" panose="020B0604020202020204" pitchFamily="34" charset="0"/>
-              </a:rPr>
-              <a:t>Los Angeles</a:t>
-            </a:r>
-          </a:p>
-        </p:txBody>
-      </p:sp>
-      <p:sp>
-        <p:nvSpPr>
-          <p:cNvPr id="12" name="Rectangle 11">
-            <a:extLst>
-              <a:ext uri="{FF2B5EF4-FFF2-40B4-BE49-F238E27FC236}">
-                <a16:creationId xmlns:a16="http://schemas.microsoft.com/office/drawing/2014/main" id="{5195D568-7751-AE4B-DF71-52D015855C35}"/>
-              </a:ext>
-            </a:extLst>
-          </p:cNvPr>
-          <p:cNvSpPr/>
-          <p:nvPr/>
-        </p:nvSpPr>
-        <p:spPr>
-          <a:xfrm>
-            <a:off x="5701175" y="1158774"/>
-            <a:ext cx="1128113" cy="381911"/>
-          </a:xfrm>
-          <a:prstGeom prst="rect">
-            <a:avLst/>
-          </a:prstGeom>
-          <a:solidFill>
-            <a:srgbClr val="FFFFFF">
-              <a:alpha val="74902"/>
-            </a:srgbClr>
-          </a:solidFill>
-          <a:ln>
-            <a:noFill/>
-          </a:ln>
-        </p:spPr>
-        <p:style>
-          <a:lnRef idx="2">
-            <a:schemeClr val="accent1">
-              <a:shade val="15000"/>
-            </a:schemeClr>
-          </a:lnRef>
-          <a:fillRef idx="1">
-            <a:schemeClr val="accent1"/>
-          </a:fillRef>
-          <a:effectRef idx="0">
-            <a:schemeClr val="accent1"/>
-          </a:effectRef>
-          <a:fontRef idx="minor">
-            <a:schemeClr val="lt1"/>
-          </a:fontRef>
-        </p:style>
-        <p:txBody>
-          <a:bodyPr rtlCol="0" anchor="ctr"/>
-          <a:lstStyle/>
-          <a:p>
-            <a:pPr algn="ctr"/>
-            <a:r>
-              <a:rPr lang="en-US" sz="1500" dirty="0">
-                <a:solidFill>
-                  <a:schemeClr val="tx1"/>
-                </a:solidFill>
-                <a:latin typeface="Arial" panose="020B0604020202020204" pitchFamily="34" charset="0"/>
-                <a:cs typeface="Arial" panose="020B0604020202020204" pitchFamily="34" charset="0"/>
-              </a:rPr>
-              <a:t>San Diego</a:t>
-            </a:r>
-          </a:p>
-        </p:txBody>
-      </p:sp>
-      <p:pic>
-        <p:nvPicPr>
-          <p:cNvPr id="20" name="Picture 19" descr="A map of a city&#10;&#10;AI-generated content may be incorrect.">
-            <a:extLst>
-              <a:ext uri="{FF2B5EF4-FFF2-40B4-BE49-F238E27FC236}">
-                <a16:creationId xmlns:a16="http://schemas.microsoft.com/office/drawing/2014/main" id="{BF26E3B3-D421-D739-73D8-7CEEF27F4B4E}"/>
-              </a:ext>
-            </a:extLst>
-          </p:cNvPr>
-          <p:cNvPicPr>
-            <a:picLocks noChangeAspect="1"/>
-          </p:cNvPicPr>
-          <p:nvPr/>
-        </p:nvPicPr>
-        <p:blipFill>
-          <a:blip r:embed="rId3">
-            <a:extLst>
-              <a:ext uri="{28A0092B-C50C-407E-A947-70E740481C1C}">
-                <a14:useLocalDpi xmlns:a14="http://schemas.microsoft.com/office/drawing/2010/main" val="0"/>
-              </a:ext>
-            </a:extLst>
-          </a:blip>
-          <a:srcRect l="38352" t="41795" r="27138" b="27377"/>
-          <a:stretch>
-            <a:fillRect/>
-          </a:stretch>
-        </p:blipFill>
-        <p:spPr>
-          <a:xfrm>
-            <a:off x="32050" y="1086232"/>
-            <a:ext cx="3596175" cy="3638161"/>
-          </a:xfrm>
-          <a:prstGeom prst="rect">
-            <a:avLst/>
-          </a:prstGeom>
-        </p:spPr>
-      </p:pic>
-      <p:pic>
-        <p:nvPicPr>
-          <p:cNvPr id="22" name="Picture 21" descr="A map of the state of california&#10;&#10;AI-generated content may be incorrect.">
-            <a:extLst>
-              <a:ext uri="{FF2B5EF4-FFF2-40B4-BE49-F238E27FC236}">
-                <a16:creationId xmlns:a16="http://schemas.microsoft.com/office/drawing/2014/main" id="{C71D4309-4374-BAAD-13C4-9A931E03DE7F}"/>
-              </a:ext>
-            </a:extLst>
-          </p:cNvPr>
-          <p:cNvPicPr>
-            <a:picLocks noChangeAspect="1"/>
-          </p:cNvPicPr>
-          <p:nvPr/>
-        </p:nvPicPr>
-        <p:blipFill>
-          <a:blip r:embed="rId4">
-            <a:extLst>
-              <a:ext uri="{28A0092B-C50C-407E-A947-70E740481C1C}">
-                <a14:useLocalDpi xmlns:a14="http://schemas.microsoft.com/office/drawing/2010/main" val="0"/>
-              </a:ext>
-            </a:extLst>
-          </a:blip>
-          <a:srcRect l="23480" t="29820" r="5481" b="43025"/>
-          <a:stretch>
-            <a:fillRect/>
-          </a:stretch>
-        </p:blipFill>
-        <p:spPr>
-          <a:xfrm>
-            <a:off x="3764770" y="1086231"/>
-            <a:ext cx="5000921" cy="3638161"/>
-          </a:xfrm>
-          <a:prstGeom prst="rect">
-            <a:avLst/>
-          </a:prstGeom>
-        </p:spPr>
-      </p:pic>
-      <p:pic>
-        <p:nvPicPr>
-          <p:cNvPr id="9" name="Picture 8" descr="A map of the state of washington&#10;&#10;AI-generated content may be incorrect.">
-            <a:extLst>
-              <a:ext uri="{FF2B5EF4-FFF2-40B4-BE49-F238E27FC236}">
-                <a16:creationId xmlns:a16="http://schemas.microsoft.com/office/drawing/2014/main" id="{8E52C31D-DA24-FAC7-B711-746E60D448C8}"/>
-              </a:ext>
-            </a:extLst>
-          </p:cNvPr>
-          <p:cNvPicPr>
-            <a:picLocks noChangeAspect="1"/>
-          </p:cNvPicPr>
-          <p:nvPr/>
-        </p:nvPicPr>
-        <p:blipFill>
-          <a:blip r:embed="rId5">
-            <a:extLst>
-              <a:ext uri="{28A0092B-C50C-407E-A947-70E740481C1C}">
-                <a14:useLocalDpi xmlns:a14="http://schemas.microsoft.com/office/drawing/2010/main" val="0"/>
-              </a:ext>
-            </a:extLst>
-          </a:blip>
-          <a:srcRect l="11812" t="21188" r="27691"/>
-          <a:stretch>
-            <a:fillRect/>
-          </a:stretch>
-        </p:blipFill>
-        <p:spPr>
-          <a:xfrm>
-            <a:off x="8890529" y="1086231"/>
-            <a:ext cx="3171896" cy="3122087"/>
-          </a:xfrm>
-          <a:prstGeom prst="rect">
-            <a:avLst/>
-          </a:prstGeom>
-        </p:spPr>
-      </p:pic>
-      <p:pic>
-        <p:nvPicPr>
-          <p:cNvPr id="13" name="Picture 12" descr="A white rectangular sign with black text&#10;&#10;AI-generated content may be incorrect.">
-            <a:extLst>
-              <a:ext uri="{FF2B5EF4-FFF2-40B4-BE49-F238E27FC236}">
-                <a16:creationId xmlns:a16="http://schemas.microsoft.com/office/drawing/2014/main" id="{05659B61-C1AB-313B-6B4A-CF27F9FAD951}"/>
-              </a:ext>
-            </a:extLst>
-          </p:cNvPr>
-          <p:cNvPicPr>
-            <a:picLocks noChangeAspect="1"/>
-          </p:cNvPicPr>
-          <p:nvPr/>
-        </p:nvPicPr>
-        <p:blipFill>
-          <a:blip r:embed="rId6">
-            <a:extLst>
-              <a:ext uri="{28A0092B-C50C-407E-A947-70E740481C1C}">
-                <a14:useLocalDpi xmlns:a14="http://schemas.microsoft.com/office/drawing/2010/main" val="0"/>
-              </a:ext>
-            </a:extLst>
-          </a:blip>
-          <a:stretch>
-            <a:fillRect/>
-          </a:stretch>
-        </p:blipFill>
-        <p:spPr>
-          <a:xfrm>
-            <a:off x="720306" y="4936838"/>
-            <a:ext cx="2651765" cy="1737364"/>
-          </a:xfrm>
-          <a:prstGeom prst="rect">
-            <a:avLst/>
-          </a:prstGeom>
-        </p:spPr>
-      </p:pic>
-      <p:pic>
-        <p:nvPicPr>
-          <p:cNvPr id="15" name="Picture 14" descr="A white paper with black text&#10;&#10;AI-generated content may be incorrect.">
-            <a:extLst>
-              <a:ext uri="{FF2B5EF4-FFF2-40B4-BE49-F238E27FC236}">
-                <a16:creationId xmlns:a16="http://schemas.microsoft.com/office/drawing/2014/main" id="{5B6C9F1D-8702-2B18-0971-AB5E989D4F41}"/>
-              </a:ext>
-            </a:extLst>
-          </p:cNvPr>
-          <p:cNvPicPr>
-            <a:picLocks noChangeAspect="1"/>
-          </p:cNvPicPr>
-          <p:nvPr/>
-        </p:nvPicPr>
-        <p:blipFill>
-          <a:blip r:embed="rId7">
-            <a:extLst>
-              <a:ext uri="{28A0092B-C50C-407E-A947-70E740481C1C}">
-                <a14:useLocalDpi xmlns:a14="http://schemas.microsoft.com/office/drawing/2010/main" val="0"/>
-              </a:ext>
-            </a:extLst>
-          </a:blip>
-          <a:stretch>
-            <a:fillRect/>
-          </a:stretch>
-        </p:blipFill>
-        <p:spPr>
-          <a:xfrm>
-            <a:off x="9376323" y="5137341"/>
-            <a:ext cx="2651765" cy="1737364"/>
-          </a:xfrm>
-          <a:prstGeom prst="rect">
-            <a:avLst/>
-          </a:prstGeom>
-        </p:spPr>
-      </p:pic>
-      <p:pic>
-        <p:nvPicPr>
-          <p:cNvPr id="18" name="Picture 17" descr="A white background with black text&#10;&#10;AI-generated content may be incorrect.">
-            <a:extLst>
-              <a:ext uri="{FF2B5EF4-FFF2-40B4-BE49-F238E27FC236}">
-                <a16:creationId xmlns:a16="http://schemas.microsoft.com/office/drawing/2014/main" id="{569FE64C-CB6E-BFBE-9123-2B444153584F}"/>
-              </a:ext>
-            </a:extLst>
-          </p:cNvPr>
-          <p:cNvPicPr>
-            <a:picLocks noChangeAspect="1"/>
-          </p:cNvPicPr>
-          <p:nvPr/>
-        </p:nvPicPr>
-        <p:blipFill>
-          <a:blip r:embed="rId8">
-            <a:extLst>
-              <a:ext uri="{28A0092B-C50C-407E-A947-70E740481C1C}">
-                <a14:useLocalDpi xmlns:a14="http://schemas.microsoft.com/office/drawing/2010/main" val="0"/>
-              </a:ext>
-            </a:extLst>
-          </a:blip>
-          <a:stretch>
-            <a:fillRect/>
-          </a:stretch>
-        </p:blipFill>
-        <p:spPr>
-          <a:xfrm>
-            <a:off x="4624769" y="5079827"/>
-            <a:ext cx="2651765" cy="1737364"/>
-          </a:xfrm>
-          <a:prstGeom prst="rect">
-            <a:avLst/>
-          </a:prstGeom>
-        </p:spPr>
-      </p:pic>
-      <p:sp>
-        <p:nvSpPr>
-          <p:cNvPr id="19" name="Rectangle 18">
-            <a:extLst>
-              <a:ext uri="{FF2B5EF4-FFF2-40B4-BE49-F238E27FC236}">
-                <a16:creationId xmlns:a16="http://schemas.microsoft.com/office/drawing/2014/main" id="{8CC80C07-46D0-C926-FAC5-14FBF71023DF}"/>
-              </a:ext>
-            </a:extLst>
-          </p:cNvPr>
-          <p:cNvSpPr/>
-          <p:nvPr/>
-        </p:nvSpPr>
-        <p:spPr>
-          <a:xfrm>
-            <a:off x="4602073" y="40809"/>
-            <a:ext cx="2930476" cy="623430"/>
-          </a:xfrm>
-          <a:prstGeom prst="rect">
-            <a:avLst/>
-          </a:prstGeom>
-        </p:spPr>
-        <p:style>
-          <a:lnRef idx="2">
-            <a:schemeClr val="accent1">
-              <a:shade val="15000"/>
-            </a:schemeClr>
-          </a:lnRef>
-          <a:fillRef idx="1">
-            <a:schemeClr val="accent1"/>
-          </a:fillRef>
-          <a:effectRef idx="0">
-            <a:schemeClr val="accent1"/>
-          </a:effectRef>
-          <a:fontRef idx="minor">
-            <a:schemeClr val="lt1"/>
-          </a:fontRef>
-        </p:style>
-        <p:txBody>
-          <a:bodyPr rtlCol="0" anchor="ctr"/>
-          <a:lstStyle/>
-          <a:p>
-            <a:pPr algn="ctr"/>
-            <a:r>
-              <a:rPr lang="en-US" dirty="0"/>
-              <a:t>PM2.5 Emissions by Census Tract</a:t>
-            </a:r>
-          </a:p>
-        </p:txBody>
-      </p:sp>
-      <p:sp>
-        <p:nvSpPr>
-          <p:cNvPr id="21" name="Rectangle 20">
-            <a:extLst>
-              <a:ext uri="{FF2B5EF4-FFF2-40B4-BE49-F238E27FC236}">
-                <a16:creationId xmlns:a16="http://schemas.microsoft.com/office/drawing/2014/main" id="{DA5D6649-50F7-D485-93E9-DAB8F9EF9B06}"/>
-              </a:ext>
-            </a:extLst>
-          </p:cNvPr>
-          <p:cNvSpPr/>
-          <p:nvPr/>
-        </p:nvSpPr>
-        <p:spPr>
-          <a:xfrm>
-            <a:off x="5986208" y="1158774"/>
-            <a:ext cx="1465238" cy="458503"/>
-          </a:xfrm>
-          <a:prstGeom prst="rect">
-            <a:avLst/>
-          </a:prstGeom>
-          <a:solidFill>
-            <a:srgbClr val="D9D9D9">
-              <a:alpha val="50196"/>
-            </a:srgbClr>
-          </a:solidFill>
-          <a:ln>
-            <a:noFill/>
-          </a:ln>
-        </p:spPr>
-        <p:style>
-          <a:lnRef idx="2">
-            <a:schemeClr val="accent1">
-              <a:shade val="15000"/>
-            </a:schemeClr>
-          </a:lnRef>
-          <a:fillRef idx="1">
-            <a:schemeClr val="accent1"/>
-          </a:fillRef>
-          <a:effectRef idx="0">
-            <a:schemeClr val="accent1"/>
-          </a:effectRef>
-          <a:fontRef idx="minor">
-            <a:schemeClr val="lt1"/>
-          </a:fontRef>
-        </p:style>
-        <p:txBody>
-          <a:bodyPr rtlCol="0" anchor="ctr"/>
-          <a:lstStyle/>
-          <a:p>
-            <a:pPr algn="ctr"/>
-            <a:r>
-              <a:rPr lang="en-US" dirty="0">
-                <a:solidFill>
-                  <a:schemeClr val="tx1"/>
-                </a:solidFill>
-              </a:rPr>
-              <a:t>Los Angeles</a:t>
-            </a:r>
-          </a:p>
-        </p:txBody>
-      </p:sp>
-      <p:sp>
-        <p:nvSpPr>
-          <p:cNvPr id="23" name="Rectangle 22">
-            <a:extLst>
-              <a:ext uri="{FF2B5EF4-FFF2-40B4-BE49-F238E27FC236}">
-                <a16:creationId xmlns:a16="http://schemas.microsoft.com/office/drawing/2014/main" id="{F2C76127-556E-9068-7B0D-05E88AE66D8C}"/>
-              </a:ext>
-            </a:extLst>
-          </p:cNvPr>
-          <p:cNvSpPr/>
-          <p:nvPr/>
-        </p:nvSpPr>
-        <p:spPr>
-          <a:xfrm>
-            <a:off x="10123910" y="1311433"/>
-            <a:ext cx="2036040" cy="458503"/>
-          </a:xfrm>
-          <a:prstGeom prst="rect">
-            <a:avLst/>
-          </a:prstGeom>
-          <a:solidFill>
-            <a:srgbClr val="D9D9D9">
-              <a:alpha val="50196"/>
-            </a:srgbClr>
-          </a:solidFill>
-          <a:ln>
-            <a:noFill/>
-          </a:ln>
-        </p:spPr>
-        <p:style>
-          <a:lnRef idx="2">
-            <a:schemeClr val="accent1">
-              <a:shade val="15000"/>
-            </a:schemeClr>
-          </a:lnRef>
-          <a:fillRef idx="1">
-            <a:schemeClr val="accent1"/>
-          </a:fillRef>
-          <a:effectRef idx="0">
-            <a:schemeClr val="accent1"/>
-          </a:effectRef>
-          <a:fontRef idx="minor">
-            <a:schemeClr val="lt1"/>
-          </a:fontRef>
-        </p:style>
-        <p:txBody>
-          <a:bodyPr rtlCol="0" anchor="ctr"/>
-          <a:lstStyle/>
-          <a:p>
-            <a:pPr algn="ctr"/>
-            <a:r>
-              <a:rPr lang="en-US" dirty="0">
-                <a:solidFill>
-                  <a:schemeClr val="tx1"/>
-                </a:solidFill>
-              </a:rPr>
-              <a:t>San Diego County</a:t>
-            </a:r>
-          </a:p>
-        </p:txBody>
-      </p:sp>
-      <p:sp>
-        <p:nvSpPr>
-          <p:cNvPr id="25" name="Rectangle 24">
-            <a:extLst>
-              <a:ext uri="{FF2B5EF4-FFF2-40B4-BE49-F238E27FC236}">
-                <a16:creationId xmlns:a16="http://schemas.microsoft.com/office/drawing/2014/main" id="{14C7BA3A-0AD4-DBF3-CE5A-B39C1B410F90}"/>
-              </a:ext>
-            </a:extLst>
-          </p:cNvPr>
-          <p:cNvSpPr/>
-          <p:nvPr/>
-        </p:nvSpPr>
-        <p:spPr>
-          <a:xfrm>
-            <a:off x="1421464" y="990521"/>
-            <a:ext cx="1465238" cy="458503"/>
-          </a:xfrm>
-          <a:prstGeom prst="rect">
-            <a:avLst/>
-          </a:prstGeom>
-          <a:solidFill>
-            <a:srgbClr val="D9D9D9">
-              <a:alpha val="50196"/>
-            </a:srgbClr>
-          </a:solidFill>
-          <a:ln>
-            <a:noFill/>
-          </a:ln>
-        </p:spPr>
-        <p:style>
-          <a:lnRef idx="2">
-            <a:schemeClr val="accent1">
-              <a:shade val="15000"/>
-            </a:schemeClr>
-          </a:lnRef>
-          <a:fillRef idx="1">
-            <a:schemeClr val="accent1"/>
-          </a:fillRef>
-          <a:effectRef idx="0">
-            <a:schemeClr val="accent1"/>
-          </a:effectRef>
-          <a:fontRef idx="minor">
-            <a:schemeClr val="lt1"/>
-          </a:fontRef>
-        </p:style>
-        <p:txBody>
-          <a:bodyPr rtlCol="0" anchor="ctr"/>
-          <a:lstStyle/>
-          <a:p>
-            <a:pPr algn="ctr"/>
-            <a:r>
-              <a:rPr lang="en-US" dirty="0">
-                <a:solidFill>
-                  <a:schemeClr val="tx1"/>
-                </a:solidFill>
-              </a:rPr>
-              <a:t>Bay Area</a:t>
-            </a:r>
-          </a:p>
-        </p:txBody>
-      </p:sp>
-    </p:spTree>
-    <p:extLst>
-      <p:ext uri="{BB962C8B-B14F-4D97-AF65-F5344CB8AC3E}">
-        <p14:creationId xmlns:p14="http://schemas.microsoft.com/office/powerpoint/2010/main" val="1320699989"/>
-      </p:ext>
-    </p:extLst>
-  </p:cSld>
-  <p:clrMapOvr>
-    <a:masterClrMapping/>
-  </p:clrMapOvr>
-</p:sld>
-</file>
-
-<file path=ppt/slides/slide3.xml><?xml version="1.0" encoding="utf-8"?>
-<p:sld xmlns:a="http://schemas.openxmlformats.org/drawingml/2006/main" xmlns:r="http://schemas.openxmlformats.org/officeDocument/2006/relationships" xmlns:p="http://schemas.openxmlformats.org/presentationml/2006/main">
-  <p:cSld>
-    <p:spTree>
-      <p:nvGrpSpPr>
-        <p:cNvPr id="1" name="">
-          <a:extLst>
-            <a:ext uri="{FF2B5EF4-FFF2-40B4-BE49-F238E27FC236}">
               <a16:creationId xmlns:a16="http://schemas.microsoft.com/office/drawing/2014/main" id="{CD0B2939-F73C-13CE-E73F-23B3365A4D65}"/>
             </a:ext>
           </a:extLst>
@@ -5585,7 +5081,7 @@
         </p:blipFill>
         <p:spPr>
           <a:xfrm>
-            <a:off x="0" y="4714675"/>
+            <a:off x="0" y="4714673"/>
             <a:ext cx="1249571" cy="1229840"/>
           </a:xfrm>
           <a:prstGeom prst="rect">
@@ -5621,7 +5117,7 @@
         </p:blipFill>
         <p:spPr>
           <a:xfrm>
-            <a:off x="7414289" y="4714672"/>
+            <a:off x="7414289" y="4714673"/>
             <a:ext cx="1223264" cy="1229841"/>
           </a:xfrm>
           <a:prstGeom prst="rect">
@@ -5717,7 +5213,447 @@
 </p:sld>
 </file>
 
+<file path=ppt/slides/slide3.xml><?xml version="1.0" encoding="utf-8"?>
+<p:sld xmlns:a="http://schemas.openxmlformats.org/drawingml/2006/main" xmlns:r="http://schemas.openxmlformats.org/officeDocument/2006/relationships" xmlns:p="http://schemas.openxmlformats.org/presentationml/2006/main">
+  <p:cSld>
+    <p:spTree>
+      <p:nvGrpSpPr>
+        <p:cNvPr id="1" name="">
+          <a:extLst>
+            <a:ext uri="{FF2B5EF4-FFF2-40B4-BE49-F238E27FC236}">
+              <a16:creationId xmlns:a16="http://schemas.microsoft.com/office/drawing/2014/main" id="{19DD0636-F470-0B16-B5F9-C849AE139998}"/>
+            </a:ext>
+          </a:extLst>
+        </p:cNvPr>
+        <p:cNvGrpSpPr/>
+        <p:nvPr/>
+      </p:nvGrpSpPr>
+      <p:grpSpPr>
+        <a:xfrm>
+          <a:off x="0" y="0"/>
+          <a:ext cx="0" cy="0"/>
+          <a:chOff x="0" y="0"/>
+          <a:chExt cx="0" cy="0"/>
+        </a:xfrm>
+      </p:grpSpPr>
+      <p:grpSp>
+        <p:nvGrpSpPr>
+          <p:cNvPr id="24" name="Group 23">
+            <a:extLst>
+              <a:ext uri="{FF2B5EF4-FFF2-40B4-BE49-F238E27FC236}">
+                <a16:creationId xmlns:a16="http://schemas.microsoft.com/office/drawing/2014/main" id="{B7E26BD5-9056-936F-0E89-70FA6C9805F9}"/>
+              </a:ext>
+            </a:extLst>
+          </p:cNvPr>
+          <p:cNvGrpSpPr/>
+          <p:nvPr/>
+        </p:nvGrpSpPr>
+        <p:grpSpPr>
+          <a:xfrm>
+            <a:off x="2656842" y="85735"/>
+            <a:ext cx="6878315" cy="6737340"/>
+            <a:chOff x="2505830" y="266142"/>
+            <a:chExt cx="6233474" cy="6404030"/>
+          </a:xfrm>
+        </p:grpSpPr>
+        <p:grpSp>
+          <p:nvGrpSpPr>
+            <p:cNvPr id="11" name="Group 10">
+              <a:extLst>
+                <a:ext uri="{FF2B5EF4-FFF2-40B4-BE49-F238E27FC236}">
+                  <a16:creationId xmlns:a16="http://schemas.microsoft.com/office/drawing/2014/main" id="{594BD08C-BA4C-85A2-CE8A-3ACCCBE559AD}"/>
+                </a:ext>
+              </a:extLst>
+            </p:cNvPr>
+            <p:cNvGrpSpPr/>
+            <p:nvPr/>
+          </p:nvGrpSpPr>
+          <p:grpSpPr>
+            <a:xfrm>
+              <a:off x="2505830" y="266142"/>
+              <a:ext cx="6233474" cy="6325715"/>
+              <a:chOff x="2505830" y="266142"/>
+              <a:chExt cx="6233474" cy="6325715"/>
+            </a:xfrm>
+          </p:grpSpPr>
+          <p:pic>
+            <p:nvPicPr>
+              <p:cNvPr id="2" name="Picture 1" descr="A map of the state of washington&#10;&#10;AI-generated content may be incorrect.">
+                <a:extLst>
+                  <a:ext uri="{FF2B5EF4-FFF2-40B4-BE49-F238E27FC236}">
+                    <a16:creationId xmlns:a16="http://schemas.microsoft.com/office/drawing/2014/main" id="{B8E6A530-B9E5-074C-B85E-C1D7C94E3A0E}"/>
+                  </a:ext>
+                </a:extLst>
+              </p:cNvPr>
+              <p:cNvPicPr>
+                <a:picLocks noChangeAspect="1"/>
+              </p:cNvPicPr>
+              <p:nvPr/>
+            </p:nvPicPr>
+            <p:blipFill>
+              <a:blip r:embed="rId3">
+                <a:extLst>
+                  <a:ext uri="{28A0092B-C50C-407E-A947-70E740481C1C}">
+                    <a14:useLocalDpi xmlns:a14="http://schemas.microsoft.com/office/drawing/2010/main" val="0"/>
+                  </a:ext>
+                </a:extLst>
+              </a:blip>
+              <a:srcRect l="11811" t="21188" r="29510"/>
+              <a:stretch>
+                <a:fillRect/>
+              </a:stretch>
+            </p:blipFill>
+            <p:spPr>
+              <a:xfrm>
+                <a:off x="2505830" y="266142"/>
+                <a:ext cx="6233474" cy="6325715"/>
+              </a:xfrm>
+              <a:prstGeom prst="rect">
+                <a:avLst/>
+              </a:prstGeom>
+              <a:ln>
+                <a:solidFill>
+                  <a:schemeClr val="tx1">
+                    <a:lumMod val="50000"/>
+                    <a:lumOff val="50000"/>
+                  </a:schemeClr>
+                </a:solidFill>
+              </a:ln>
+            </p:spPr>
+          </p:pic>
+          <p:sp>
+            <p:nvSpPr>
+              <p:cNvPr id="4" name="Rectangle 3">
+                <a:extLst>
+                  <a:ext uri="{FF2B5EF4-FFF2-40B4-BE49-F238E27FC236}">
+                    <a16:creationId xmlns:a16="http://schemas.microsoft.com/office/drawing/2014/main" id="{B03EF478-7450-A84C-4759-D5CECDEAC06A}"/>
+                  </a:ext>
+                </a:extLst>
+              </p:cNvPr>
+              <p:cNvSpPr/>
+              <p:nvPr/>
+            </p:nvSpPr>
+            <p:spPr>
+              <a:xfrm>
+                <a:off x="7518513" y="266142"/>
+                <a:ext cx="1220791" cy="458503"/>
+              </a:xfrm>
+              <a:prstGeom prst="rect">
+                <a:avLst/>
+              </a:prstGeom>
+              <a:solidFill>
+                <a:schemeClr val="bg1">
+                  <a:alpha val="80000"/>
+                </a:schemeClr>
+              </a:solidFill>
+              <a:ln>
+                <a:noFill/>
+              </a:ln>
+            </p:spPr>
+            <p:style>
+              <a:lnRef idx="2">
+                <a:schemeClr val="accent1">
+                  <a:shade val="15000"/>
+                </a:schemeClr>
+              </a:lnRef>
+              <a:fillRef idx="1">
+                <a:schemeClr val="accent1"/>
+              </a:fillRef>
+              <a:effectRef idx="0">
+                <a:schemeClr val="accent1"/>
+              </a:effectRef>
+              <a:fontRef idx="minor">
+                <a:schemeClr val="lt1"/>
+              </a:fontRef>
+            </p:style>
+            <p:txBody>
+              <a:bodyPr rtlCol="0" anchor="ctr"/>
+              <a:lstStyle/>
+              <a:p>
+                <a:pPr algn="ctr"/>
+                <a:r>
+                  <a:rPr lang="en-US" dirty="0">
+                    <a:solidFill>
+                      <a:schemeClr val="tx1"/>
+                    </a:solidFill>
+                  </a:rPr>
+                  <a:t>San Diego</a:t>
+                </a:r>
+              </a:p>
+            </p:txBody>
+          </p:sp>
+        </p:grpSp>
+        <p:pic>
+          <p:nvPicPr>
+            <p:cNvPr id="23" name="Picture 22" descr="A black background with a black square&#10;&#10;AI-generated content may be incorrect.">
+              <a:extLst>
+                <a:ext uri="{FF2B5EF4-FFF2-40B4-BE49-F238E27FC236}">
+                  <a16:creationId xmlns:a16="http://schemas.microsoft.com/office/drawing/2014/main" id="{623DC52D-B8EE-A413-F603-04FC1A610964}"/>
+                </a:ext>
+              </a:extLst>
+            </p:cNvPr>
+            <p:cNvPicPr>
+              <a:picLocks noChangeAspect="1"/>
+            </p:cNvPicPr>
+            <p:nvPr/>
+          </p:nvPicPr>
+          <p:blipFill>
+            <a:blip r:embed="rId4">
+              <a:extLst>
+                <a:ext uri="{28A0092B-C50C-407E-A947-70E740481C1C}">
+                  <a14:useLocalDpi xmlns:a14="http://schemas.microsoft.com/office/drawing/2010/main" val="0"/>
+                </a:ext>
+              </a:extLst>
+            </a:blip>
+            <a:stretch>
+              <a:fillRect/>
+            </a:stretch>
+          </p:blipFill>
+          <p:spPr>
+            <a:xfrm>
+              <a:off x="2505830" y="5351339"/>
+              <a:ext cx="1973806" cy="1318833"/>
+            </a:xfrm>
+            <a:prstGeom prst="rect">
+              <a:avLst/>
+            </a:prstGeom>
+          </p:spPr>
+        </p:pic>
+      </p:grpSp>
+    </p:spTree>
+    <p:extLst>
+      <p:ext uri="{BB962C8B-B14F-4D97-AF65-F5344CB8AC3E}">
+        <p14:creationId xmlns:p14="http://schemas.microsoft.com/office/powerpoint/2010/main" val="2201968592"/>
+      </p:ext>
+    </p:extLst>
+  </p:cSld>
+  <p:clrMapOvr>
+    <a:masterClrMapping/>
+  </p:clrMapOvr>
+</p:sld>
+</file>
+
 <file path=ppt/slides/slide4.xml><?xml version="1.0" encoding="utf-8"?>
+<p:sld xmlns:a="http://schemas.openxmlformats.org/drawingml/2006/main" xmlns:r="http://schemas.openxmlformats.org/officeDocument/2006/relationships" xmlns:p="http://schemas.openxmlformats.org/presentationml/2006/main">
+  <p:cSld>
+    <p:spTree>
+      <p:nvGrpSpPr>
+        <p:cNvPr id="1" name="">
+          <a:extLst>
+            <a:ext uri="{FF2B5EF4-FFF2-40B4-BE49-F238E27FC236}">
+              <a16:creationId xmlns:a16="http://schemas.microsoft.com/office/drawing/2014/main" id="{5CA0AA7A-6CCB-1F6F-45D3-0D9BB58B152D}"/>
+            </a:ext>
+          </a:extLst>
+        </p:cNvPr>
+        <p:cNvGrpSpPr/>
+        <p:nvPr/>
+      </p:nvGrpSpPr>
+      <p:grpSpPr>
+        <a:xfrm>
+          <a:off x="0" y="0"/>
+          <a:ext cx="0" cy="0"/>
+          <a:chOff x="0" y="0"/>
+          <a:chExt cx="0" cy="0"/>
+        </a:xfrm>
+      </p:grpSpPr>
+      <p:grpSp>
+        <p:nvGrpSpPr>
+          <p:cNvPr id="18" name="Group 17">
+            <a:extLst>
+              <a:ext uri="{FF2B5EF4-FFF2-40B4-BE49-F238E27FC236}">
+                <a16:creationId xmlns:a16="http://schemas.microsoft.com/office/drawing/2014/main" id="{4333478E-6193-D80D-52F8-E89FEA8A7D50}"/>
+              </a:ext>
+            </a:extLst>
+          </p:cNvPr>
+          <p:cNvGrpSpPr/>
+          <p:nvPr/>
+        </p:nvGrpSpPr>
+        <p:grpSpPr>
+          <a:xfrm>
+            <a:off x="2833255" y="118523"/>
+            <a:ext cx="6525489" cy="6717251"/>
+            <a:chOff x="2911736" y="615671"/>
+            <a:chExt cx="5570320" cy="5708493"/>
+          </a:xfrm>
+        </p:grpSpPr>
+        <p:grpSp>
+          <p:nvGrpSpPr>
+            <p:cNvPr id="8" name="Group 7">
+              <a:extLst>
+                <a:ext uri="{FF2B5EF4-FFF2-40B4-BE49-F238E27FC236}">
+                  <a16:creationId xmlns:a16="http://schemas.microsoft.com/office/drawing/2014/main" id="{F79371CB-927C-D3F2-B20E-FADE2185F597}"/>
+                </a:ext>
+              </a:extLst>
+            </p:cNvPr>
+            <p:cNvGrpSpPr/>
+            <p:nvPr/>
+          </p:nvGrpSpPr>
+          <p:grpSpPr>
+            <a:xfrm>
+              <a:off x="2911736" y="615671"/>
+              <a:ext cx="5570320" cy="5626657"/>
+              <a:chOff x="2781123" y="266142"/>
+              <a:chExt cx="6244575" cy="6325715"/>
+            </a:xfrm>
+          </p:grpSpPr>
+          <p:pic>
+            <p:nvPicPr>
+              <p:cNvPr id="22" name="Picture 21" descr="A map of the state of california&#10;&#10;AI-generated content may be incorrect.">
+                <a:extLst>
+                  <a:ext uri="{FF2B5EF4-FFF2-40B4-BE49-F238E27FC236}">
+                    <a16:creationId xmlns:a16="http://schemas.microsoft.com/office/drawing/2014/main" id="{AACB8178-2B0B-D9A2-983A-F432F37C0B7E}"/>
+                  </a:ext>
+                </a:extLst>
+              </p:cNvPr>
+              <p:cNvPicPr>
+                <a:picLocks noChangeAspect="1"/>
+              </p:cNvPicPr>
+              <p:nvPr/>
+            </p:nvPicPr>
+            <p:blipFill>
+              <a:blip r:embed="rId3">
+                <a:extLst>
+                  <a:ext uri="{28A0092B-C50C-407E-A947-70E740481C1C}">
+                    <a14:useLocalDpi xmlns:a14="http://schemas.microsoft.com/office/drawing/2010/main" val="0"/>
+                  </a:ext>
+                </a:extLst>
+              </a:blip>
+              <a:srcRect l="23479" t="29820" r="25502" b="43025"/>
+              <a:stretch>
+                <a:fillRect/>
+              </a:stretch>
+            </p:blipFill>
+            <p:spPr>
+              <a:xfrm>
+                <a:off x="2781123" y="266142"/>
+                <a:ext cx="6244575" cy="6325715"/>
+              </a:xfrm>
+              <a:prstGeom prst="rect">
+                <a:avLst/>
+              </a:prstGeom>
+              <a:ln>
+                <a:solidFill>
+                  <a:schemeClr val="tx1">
+                    <a:lumMod val="50000"/>
+                    <a:lumOff val="50000"/>
+                  </a:schemeClr>
+                </a:solidFill>
+              </a:ln>
+            </p:spPr>
+          </p:pic>
+          <p:sp>
+            <p:nvSpPr>
+              <p:cNvPr id="43" name="Rectangle 42">
+                <a:extLst>
+                  <a:ext uri="{FF2B5EF4-FFF2-40B4-BE49-F238E27FC236}">
+                    <a16:creationId xmlns:a16="http://schemas.microsoft.com/office/drawing/2014/main" id="{2988E351-8A21-40C7-2FBD-822C4292BF65}"/>
+                  </a:ext>
+                </a:extLst>
+              </p:cNvPr>
+              <p:cNvSpPr/>
+              <p:nvPr/>
+            </p:nvSpPr>
+            <p:spPr>
+              <a:xfrm>
+                <a:off x="7439494" y="266142"/>
+                <a:ext cx="1586204" cy="458503"/>
+              </a:xfrm>
+              <a:prstGeom prst="rect">
+                <a:avLst/>
+              </a:prstGeom>
+              <a:solidFill>
+                <a:schemeClr val="bg1">
+                  <a:alpha val="80000"/>
+                </a:schemeClr>
+              </a:solidFill>
+              <a:ln>
+                <a:noFill/>
+              </a:ln>
+            </p:spPr>
+            <p:style>
+              <a:lnRef idx="2">
+                <a:schemeClr val="accent1">
+                  <a:shade val="15000"/>
+                </a:schemeClr>
+              </a:lnRef>
+              <a:fillRef idx="1">
+                <a:schemeClr val="accent1"/>
+              </a:fillRef>
+              <a:effectRef idx="0">
+                <a:schemeClr val="accent1"/>
+              </a:effectRef>
+              <a:fontRef idx="minor">
+                <a:schemeClr val="lt1"/>
+              </a:fontRef>
+            </p:style>
+            <p:txBody>
+              <a:bodyPr rtlCol="0" anchor="ctr"/>
+              <a:lstStyle/>
+              <a:p>
+                <a:pPr algn="ctr"/>
+                <a:r>
+                  <a:rPr lang="en-US" dirty="0">
+                    <a:solidFill>
+                      <a:schemeClr val="tx1"/>
+                    </a:solidFill>
+                  </a:rPr>
+                  <a:t>Los Angeles</a:t>
+                </a:r>
+              </a:p>
+            </p:txBody>
+          </p:sp>
+        </p:grpSp>
+        <p:pic>
+          <p:nvPicPr>
+            <p:cNvPr id="16" name="Picture 15" descr="A black background with a black square&#10;&#10;AI-generated content may be incorrect.">
+              <a:extLst>
+                <a:ext uri="{FF2B5EF4-FFF2-40B4-BE49-F238E27FC236}">
+                  <a16:creationId xmlns:a16="http://schemas.microsoft.com/office/drawing/2014/main" id="{45CC938F-9FB3-59CC-329E-6C71961487FF}"/>
+                </a:ext>
+              </a:extLst>
+            </p:cNvPr>
+            <p:cNvPicPr>
+              <a:picLocks noChangeAspect="1"/>
+            </p:cNvPicPr>
+            <p:nvPr/>
+          </p:nvPicPr>
+          <p:blipFill>
+            <a:blip r:embed="rId4">
+              <a:extLst>
+                <a:ext uri="{28A0092B-C50C-407E-A947-70E740481C1C}">
+                  <a14:useLocalDpi xmlns:a14="http://schemas.microsoft.com/office/drawing/2010/main" val="0"/>
+                </a:ext>
+              </a:extLst>
+            </a:blip>
+            <a:stretch>
+              <a:fillRect/>
+            </a:stretch>
+          </p:blipFill>
+          <p:spPr>
+            <a:xfrm>
+              <a:off x="2911736" y="5068302"/>
+              <a:ext cx="1949415" cy="1255862"/>
+            </a:xfrm>
+            <a:prstGeom prst="rect">
+              <a:avLst/>
+            </a:prstGeom>
+          </p:spPr>
+        </p:pic>
+      </p:grpSp>
+    </p:spTree>
+    <p:extLst>
+      <p:ext uri="{BB962C8B-B14F-4D97-AF65-F5344CB8AC3E}">
+        <p14:creationId xmlns:p14="http://schemas.microsoft.com/office/powerpoint/2010/main" val="1742025500"/>
+      </p:ext>
+    </p:extLst>
+  </p:cSld>
+  <p:clrMapOvr>
+    <a:masterClrMapping/>
+  </p:clrMapOvr>
+</p:sld>
+</file>
+
+<file path=ppt/slides/slide5.xml><?xml version="1.0" encoding="utf-8"?>
 <p:sld xmlns:a="http://schemas.openxmlformats.org/drawingml/2006/main" xmlns:r="http://schemas.openxmlformats.org/officeDocument/2006/relationships" xmlns:p="http://schemas.openxmlformats.org/presentationml/2006/main">
   <p:cSld>
     <p:spTree>
@@ -5734,222 +5670,194 @@
           <a:chExt cx="0" cy="0"/>
         </a:xfrm>
       </p:grpSpPr>
-      <p:pic>
-        <p:nvPicPr>
-          <p:cNvPr id="19" name="Picture 18" descr="A white rectangular sign with black text&#10;&#10;AI-generated content may be incorrect.">
-            <a:extLst>
-              <a:ext uri="{FF2B5EF4-FFF2-40B4-BE49-F238E27FC236}">
-                <a16:creationId xmlns:a16="http://schemas.microsoft.com/office/drawing/2014/main" id="{8EC58679-49B0-1C32-7AA3-5F5DB4B61C13}"/>
-              </a:ext>
-            </a:extLst>
-          </p:cNvPr>
-          <p:cNvPicPr>
-            <a:picLocks noChangeAspect="1"/>
-          </p:cNvPicPr>
+      <p:grpSp>
+        <p:nvGrpSpPr>
+          <p:cNvPr id="13" name="Group 12">
+            <a:extLst>
+              <a:ext uri="{FF2B5EF4-FFF2-40B4-BE49-F238E27FC236}">
+                <a16:creationId xmlns:a16="http://schemas.microsoft.com/office/drawing/2014/main" id="{097DAFDA-0BD8-FBC9-1BE5-14339901319C}"/>
+              </a:ext>
+            </a:extLst>
+          </p:cNvPr>
+          <p:cNvGrpSpPr/>
           <p:nvPr/>
-        </p:nvPicPr>
-        <p:blipFill>
-          <a:blip r:embed="rId2">
-            <a:extLst>
-              <a:ext uri="{28A0092B-C50C-407E-A947-70E740481C1C}">
-                <a14:useLocalDpi xmlns:a14="http://schemas.microsoft.com/office/drawing/2010/main" val="0"/>
-              </a:ext>
-            </a:extLst>
-          </a:blip>
-          <a:stretch>
-            <a:fillRect/>
-          </a:stretch>
-        </p:blipFill>
-        <p:spPr>
+        </p:nvGrpSpPr>
+        <p:grpSpPr>
           <a:xfrm>
-            <a:off x="4770117" y="2560318"/>
-            <a:ext cx="2651765" cy="1737364"/>
+            <a:off x="2877127" y="102958"/>
+            <a:ext cx="6437745" cy="6652083"/>
+            <a:chOff x="2195828" y="118172"/>
+            <a:chExt cx="6264681" cy="6400857"/>
           </a:xfrm>
-          <a:prstGeom prst="rect">
-            <a:avLst/>
-          </a:prstGeom>
-        </p:spPr>
-      </p:pic>
-      <p:pic>
-        <p:nvPicPr>
-          <p:cNvPr id="21" name="Picture 20" descr="A map of the state of texas&#10;&#10;AI-generated content may be incorrect.">
-            <a:extLst>
-              <a:ext uri="{FF2B5EF4-FFF2-40B4-BE49-F238E27FC236}">
-                <a16:creationId xmlns:a16="http://schemas.microsoft.com/office/drawing/2014/main" id="{11749D22-2F2F-2B72-1CCD-FDC1CA4F2CBE}"/>
-              </a:ext>
-            </a:extLst>
-          </p:cNvPr>
-          <p:cNvPicPr>
-            <a:picLocks noChangeAspect="1"/>
-          </p:cNvPicPr>
-          <p:nvPr/>
-        </p:nvPicPr>
-        <p:blipFill>
-          <a:blip r:embed="rId3">
-            <a:extLst>
-              <a:ext uri="{28A0092B-C50C-407E-A947-70E740481C1C}">
-                <a14:useLocalDpi xmlns:a14="http://schemas.microsoft.com/office/drawing/2010/main" val="0"/>
-              </a:ext>
-            </a:extLst>
-          </a:blip>
-          <a:srcRect b="42275"/>
-          <a:stretch>
-            <a:fillRect/>
-          </a:stretch>
-        </p:blipFill>
-        <p:spPr>
-          <a:xfrm>
-            <a:off x="4048899" y="1360843"/>
-            <a:ext cx="3687618" cy="3958814"/>
-          </a:xfrm>
-          <a:prstGeom prst="rect">
-            <a:avLst/>
-          </a:prstGeom>
-        </p:spPr>
-      </p:pic>
-      <p:pic>
-        <p:nvPicPr>
-          <p:cNvPr id="23" name="Picture 22" descr="A map of the state of washington&#10;&#10;AI-generated content may be incorrect.">
-            <a:extLst>
-              <a:ext uri="{FF2B5EF4-FFF2-40B4-BE49-F238E27FC236}">
-                <a16:creationId xmlns:a16="http://schemas.microsoft.com/office/drawing/2014/main" id="{02B3D49F-6C7A-8649-9373-BAB39E24D785}"/>
-              </a:ext>
-            </a:extLst>
-          </p:cNvPr>
-          <p:cNvPicPr>
-            <a:picLocks noChangeAspect="1"/>
-          </p:cNvPicPr>
-          <p:nvPr/>
-        </p:nvPicPr>
-        <p:blipFill>
-          <a:blip r:embed="rId4">
-            <a:extLst>
-              <a:ext uri="{28A0092B-C50C-407E-A947-70E740481C1C}">
-                <a14:useLocalDpi xmlns:a14="http://schemas.microsoft.com/office/drawing/2010/main" val="0"/>
-              </a:ext>
-            </a:extLst>
-          </a:blip>
-          <a:stretch>
-            <a:fillRect/>
-          </a:stretch>
-        </p:blipFill>
-        <p:spPr>
-          <a:xfrm>
-            <a:off x="7593107" y="1506072"/>
-            <a:ext cx="4598893" cy="3474719"/>
-          </a:xfrm>
-          <a:prstGeom prst="rect">
-            <a:avLst/>
-          </a:prstGeom>
-        </p:spPr>
-      </p:pic>
-      <p:pic>
-        <p:nvPicPr>
-          <p:cNvPr id="27" name="Picture 26" descr="A map of different colored areas&#10;&#10;AI-generated content may be incorrect.">
-            <a:extLst>
-              <a:ext uri="{FF2B5EF4-FFF2-40B4-BE49-F238E27FC236}">
-                <a16:creationId xmlns:a16="http://schemas.microsoft.com/office/drawing/2014/main" id="{1AAFB74B-F064-F6D1-1F7D-A6A64659ABE5}"/>
-              </a:ext>
-            </a:extLst>
-          </p:cNvPr>
-          <p:cNvPicPr>
-            <a:picLocks noChangeAspect="1"/>
-          </p:cNvPicPr>
-          <p:nvPr/>
-        </p:nvPicPr>
-        <p:blipFill>
-          <a:blip r:embed="rId5">
-            <a:extLst>
-              <a:ext uri="{28A0092B-C50C-407E-A947-70E740481C1C}">
-                <a14:useLocalDpi xmlns:a14="http://schemas.microsoft.com/office/drawing/2010/main" val="0"/>
-              </a:ext>
-            </a:extLst>
-          </a:blip>
-          <a:stretch>
-            <a:fillRect/>
-          </a:stretch>
-        </p:blipFill>
-        <p:spPr>
-          <a:xfrm>
-            <a:off x="0" y="858991"/>
-            <a:ext cx="4192309" cy="4638166"/>
-          </a:xfrm>
-          <a:prstGeom prst="rect">
-            <a:avLst/>
-          </a:prstGeom>
-        </p:spPr>
-      </p:pic>
-      <p:pic>
-        <p:nvPicPr>
-          <p:cNvPr id="29" name="Picture 28" descr="A white rectangular sign with black text&#10;&#10;AI-generated content may be incorrect.">
-            <a:extLst>
-              <a:ext uri="{FF2B5EF4-FFF2-40B4-BE49-F238E27FC236}">
-                <a16:creationId xmlns:a16="http://schemas.microsoft.com/office/drawing/2014/main" id="{6EB46F1F-A867-EA61-9F46-B685EFC239A7}"/>
-              </a:ext>
-            </a:extLst>
-          </p:cNvPr>
-          <p:cNvPicPr>
-            <a:picLocks noChangeAspect="1"/>
-          </p:cNvPicPr>
-          <p:nvPr/>
-        </p:nvPicPr>
-        <p:blipFill>
-          <a:blip r:embed="rId2">
-            <a:extLst>
-              <a:ext uri="{28A0092B-C50C-407E-A947-70E740481C1C}">
-                <a14:useLocalDpi xmlns:a14="http://schemas.microsoft.com/office/drawing/2010/main" val="0"/>
-              </a:ext>
-            </a:extLst>
-          </a:blip>
-          <a:srcRect l="2684" t="14861" r="57965" b="14551"/>
-          <a:stretch>
-            <a:fillRect/>
-          </a:stretch>
-        </p:blipFill>
-        <p:spPr>
-          <a:xfrm>
-            <a:off x="6693024" y="5319657"/>
-            <a:ext cx="1043493" cy="1226372"/>
-          </a:xfrm>
-          <a:prstGeom prst="rect">
-            <a:avLst/>
-          </a:prstGeom>
-        </p:spPr>
-      </p:pic>
-      <p:pic>
-        <p:nvPicPr>
-          <p:cNvPr id="4" name="Picture 3">
-            <a:extLst>
-              <a:ext uri="{FF2B5EF4-FFF2-40B4-BE49-F238E27FC236}">
-                <a16:creationId xmlns:a16="http://schemas.microsoft.com/office/drawing/2014/main" id="{B5BB507C-7B2C-6CB8-EF7A-65EBBBC27A1A}"/>
-              </a:ext>
-            </a:extLst>
-          </p:cNvPr>
-          <p:cNvPicPr>
-            <a:picLocks noChangeAspect="1"/>
-          </p:cNvPicPr>
-          <p:nvPr/>
-        </p:nvPicPr>
-        <p:blipFill>
-          <a:blip r:embed="rId6"/>
-          <a:stretch>
-            <a:fillRect/>
-          </a:stretch>
-        </p:blipFill>
-        <p:spPr>
-          <a:xfrm>
-            <a:off x="8533178" y="145778"/>
-            <a:ext cx="3194750" cy="575232"/>
-          </a:xfrm>
-          <a:prstGeom prst="rect">
-            <a:avLst/>
-          </a:prstGeom>
-        </p:spPr>
-      </p:pic>
+        </p:grpSpPr>
+        <p:grpSp>
+          <p:nvGrpSpPr>
+            <p:cNvPr id="9" name="Group 8">
+              <a:extLst>
+                <a:ext uri="{FF2B5EF4-FFF2-40B4-BE49-F238E27FC236}">
+                  <a16:creationId xmlns:a16="http://schemas.microsoft.com/office/drawing/2014/main" id="{C40181B7-FEE6-B52A-294F-A24CCE5B37B7}"/>
+                </a:ext>
+              </a:extLst>
+            </p:cNvPr>
+            <p:cNvGrpSpPr/>
+            <p:nvPr/>
+          </p:nvGrpSpPr>
+          <p:grpSpPr>
+            <a:xfrm>
+              <a:off x="2195828" y="118172"/>
+              <a:ext cx="6264681" cy="6325715"/>
+              <a:chOff x="2195828" y="118172"/>
+              <a:chExt cx="6264681" cy="6325715"/>
+            </a:xfrm>
+          </p:grpSpPr>
+          <p:pic>
+            <p:nvPicPr>
+              <p:cNvPr id="2" name="Picture 1" descr="A map of a city&#10;&#10;AI-generated content may be incorrect.">
+                <a:extLst>
+                  <a:ext uri="{FF2B5EF4-FFF2-40B4-BE49-F238E27FC236}">
+                    <a16:creationId xmlns:a16="http://schemas.microsoft.com/office/drawing/2014/main" id="{6FF9903B-1C60-CDFA-91D8-DEE9C05AC03C}"/>
+                  </a:ext>
+                </a:extLst>
+              </p:cNvPr>
+              <p:cNvPicPr>
+                <a:picLocks noChangeAspect="1"/>
+              </p:cNvPicPr>
+              <p:nvPr/>
+            </p:nvPicPr>
+            <p:blipFill>
+              <a:blip r:embed="rId2">
+                <a:extLst>
+                  <a:ext uri="{28A0092B-C50C-407E-A947-70E740481C1C}">
+                    <a14:useLocalDpi xmlns:a14="http://schemas.microsoft.com/office/drawing/2010/main" val="0"/>
+                  </a:ext>
+                </a:extLst>
+              </a:blip>
+              <a:srcRect l="38352" t="41795" r="29241" b="27377"/>
+              <a:stretch>
+                <a:fillRect/>
+              </a:stretch>
+            </p:blipFill>
+            <p:spPr>
+              <a:xfrm>
+                <a:off x="2195828" y="118172"/>
+                <a:ext cx="6264681" cy="6325715"/>
+              </a:xfrm>
+              <a:prstGeom prst="rect">
+                <a:avLst/>
+              </a:prstGeom>
+              <a:ln>
+                <a:solidFill>
+                  <a:schemeClr val="tx1">
+                    <a:lumMod val="50000"/>
+                    <a:lumOff val="50000"/>
+                  </a:schemeClr>
+                </a:solidFill>
+              </a:ln>
+            </p:spPr>
+          </p:pic>
+          <p:sp>
+            <p:nvSpPr>
+              <p:cNvPr id="3" name="Rectangle 2">
+                <a:extLst>
+                  <a:ext uri="{FF2B5EF4-FFF2-40B4-BE49-F238E27FC236}">
+                    <a16:creationId xmlns:a16="http://schemas.microsoft.com/office/drawing/2014/main" id="{5C7947F9-346F-2BCE-B5E2-69C0B6A291A2}"/>
+                  </a:ext>
+                </a:extLst>
+              </p:cNvPr>
+              <p:cNvSpPr/>
+              <p:nvPr/>
+            </p:nvSpPr>
+            <p:spPr>
+              <a:xfrm>
+                <a:off x="7388468" y="118172"/>
+                <a:ext cx="1072041" cy="479358"/>
+              </a:xfrm>
+              <a:prstGeom prst="rect">
+                <a:avLst/>
+              </a:prstGeom>
+              <a:solidFill>
+                <a:schemeClr val="bg1">
+                  <a:alpha val="80000"/>
+                </a:schemeClr>
+              </a:solidFill>
+              <a:ln>
+                <a:noFill/>
+              </a:ln>
+            </p:spPr>
+            <p:style>
+              <a:lnRef idx="2">
+                <a:schemeClr val="accent1">
+                  <a:shade val="15000"/>
+                </a:schemeClr>
+              </a:lnRef>
+              <a:fillRef idx="1">
+                <a:schemeClr val="accent1"/>
+              </a:fillRef>
+              <a:effectRef idx="0">
+                <a:schemeClr val="accent1"/>
+              </a:effectRef>
+              <a:fontRef idx="minor">
+                <a:schemeClr val="lt1"/>
+              </a:fontRef>
+            </p:style>
+            <p:txBody>
+              <a:bodyPr rtlCol="0" anchor="ctr"/>
+              <a:lstStyle/>
+              <a:p>
+                <a:pPr algn="ctr"/>
+                <a:r>
+                  <a:rPr lang="en-US" dirty="0">
+                    <a:solidFill>
+                      <a:schemeClr val="tx1"/>
+                    </a:solidFill>
+                  </a:rPr>
+                  <a:t>Bay Area</a:t>
+                </a:r>
+              </a:p>
+            </p:txBody>
+          </p:sp>
+        </p:grpSp>
+        <p:pic>
+          <p:nvPicPr>
+            <p:cNvPr id="12" name="Picture 11" descr="A black background with a black square&#10;&#10;AI-generated content may be incorrect.">
+              <a:extLst>
+                <a:ext uri="{FF2B5EF4-FFF2-40B4-BE49-F238E27FC236}">
+                  <a16:creationId xmlns:a16="http://schemas.microsoft.com/office/drawing/2014/main" id="{24326209-AB12-ED55-7567-06A202CD4B86}"/>
+                </a:ext>
+              </a:extLst>
+            </p:cNvPr>
+            <p:cNvPicPr>
+              <a:picLocks noChangeAspect="1"/>
+            </p:cNvPicPr>
+            <p:nvPr/>
+          </p:nvPicPr>
+          <p:blipFill>
+            <a:blip r:embed="rId3">
+              <a:extLst>
+                <a:ext uri="{28A0092B-C50C-407E-A947-70E740481C1C}">
+                  <a14:useLocalDpi xmlns:a14="http://schemas.microsoft.com/office/drawing/2010/main" val="0"/>
+                </a:ext>
+              </a:extLst>
+            </a:blip>
+            <a:stretch>
+              <a:fillRect/>
+            </a:stretch>
+          </p:blipFill>
+          <p:spPr>
+            <a:xfrm>
+              <a:off x="2195828" y="5151656"/>
+              <a:ext cx="2122509" cy="1367373"/>
+            </a:xfrm>
+            <a:prstGeom prst="rect">
+              <a:avLst/>
+            </a:prstGeom>
+          </p:spPr>
+        </p:pic>
+      </p:grpSp>
     </p:spTree>
     <p:extLst>
       <p:ext uri="{BB962C8B-B14F-4D97-AF65-F5344CB8AC3E}">
-        <p14:creationId xmlns:p14="http://schemas.microsoft.com/office/powerpoint/2010/main" val="1312155639"/>
+        <p14:creationId xmlns:p14="http://schemas.microsoft.com/office/powerpoint/2010/main" val="3790568822"/>
       </p:ext>
     </p:extLst>
   </p:cSld>
